--- a/doc/nhn_forward_2020.pptx
+++ b/doc/nhn_forward_2020.pptx
@@ -7,6 +7,8 @@
   <p:sldIdLst>
     <p:sldId id="256" r:id="rId2"/>
     <p:sldId id="257" r:id="rId3"/>
+    <p:sldId id="258" r:id="rId4"/>
+    <p:sldId id="259" r:id="rId5"/>
   </p:sldIdLst>
   <p:sldSz cx="12192000" cy="6858000"/>
   <p:notesSz cx="6858000" cy="9144000"/>
@@ -105,6 +107,11 @@
       </a:defRPr>
     </a:lvl9pPr>
   </p:defaultTextStyle>
+  <p:extLst>
+    <p:ext uri="{EFAFB233-063F-42B5-8137-9DF3F51BA10A}">
+      <p15:sldGuideLst xmlns:p15="http://schemas.microsoft.com/office/powerpoint/2012/main"/>
+    </p:ext>
+  </p:extLst>
 </p:presentation>
 </file>
 
@@ -255,7 +262,7 @@
           <a:p>
             <a:fld id="{85D4C85C-9E87-4DC7-91FE-CAD92C58BC47}" type="datetimeFigureOut">
               <a:rPr lang="ko-KR" altLang="en-US" smtClean="0"/>
-              <a:t>2020-07-14</a:t>
+              <a:t>2020-07-20</a:t>
             </a:fld>
             <a:endParaRPr lang="ko-KR" altLang="en-US"/>
           </a:p>
@@ -453,7 +460,7 @@
           <a:p>
             <a:fld id="{85D4C85C-9E87-4DC7-91FE-CAD92C58BC47}" type="datetimeFigureOut">
               <a:rPr lang="ko-KR" altLang="en-US" smtClean="0"/>
-              <a:t>2020-07-14</a:t>
+              <a:t>2020-07-20</a:t>
             </a:fld>
             <a:endParaRPr lang="ko-KR" altLang="en-US"/>
           </a:p>
@@ -661,7 +668,7 @@
           <a:p>
             <a:fld id="{85D4C85C-9E87-4DC7-91FE-CAD92C58BC47}" type="datetimeFigureOut">
               <a:rPr lang="ko-KR" altLang="en-US" smtClean="0"/>
-              <a:t>2020-07-14</a:t>
+              <a:t>2020-07-20</a:t>
             </a:fld>
             <a:endParaRPr lang="ko-KR" altLang="en-US"/>
           </a:p>
@@ -859,7 +866,7 @@
           <a:p>
             <a:fld id="{85D4C85C-9E87-4DC7-91FE-CAD92C58BC47}" type="datetimeFigureOut">
               <a:rPr lang="ko-KR" altLang="en-US" smtClean="0"/>
-              <a:t>2020-07-14</a:t>
+              <a:t>2020-07-20</a:t>
             </a:fld>
             <a:endParaRPr lang="ko-KR" altLang="en-US"/>
           </a:p>
@@ -1134,7 +1141,7 @@
           <a:p>
             <a:fld id="{85D4C85C-9E87-4DC7-91FE-CAD92C58BC47}" type="datetimeFigureOut">
               <a:rPr lang="ko-KR" altLang="en-US" smtClean="0"/>
-              <a:t>2020-07-14</a:t>
+              <a:t>2020-07-20</a:t>
             </a:fld>
             <a:endParaRPr lang="ko-KR" altLang="en-US"/>
           </a:p>
@@ -1399,7 +1406,7 @@
           <a:p>
             <a:fld id="{85D4C85C-9E87-4DC7-91FE-CAD92C58BC47}" type="datetimeFigureOut">
               <a:rPr lang="ko-KR" altLang="en-US" smtClean="0"/>
-              <a:t>2020-07-14</a:t>
+              <a:t>2020-07-20</a:t>
             </a:fld>
             <a:endParaRPr lang="ko-KR" altLang="en-US"/>
           </a:p>
@@ -1811,7 +1818,7 @@
           <a:p>
             <a:fld id="{85D4C85C-9E87-4DC7-91FE-CAD92C58BC47}" type="datetimeFigureOut">
               <a:rPr lang="ko-KR" altLang="en-US" smtClean="0"/>
-              <a:t>2020-07-14</a:t>
+              <a:t>2020-07-20</a:t>
             </a:fld>
             <a:endParaRPr lang="ko-KR" altLang="en-US"/>
           </a:p>
@@ -1952,7 +1959,7 @@
           <a:p>
             <a:fld id="{85D4C85C-9E87-4DC7-91FE-CAD92C58BC47}" type="datetimeFigureOut">
               <a:rPr lang="ko-KR" altLang="en-US" smtClean="0"/>
-              <a:t>2020-07-14</a:t>
+              <a:t>2020-07-20</a:t>
             </a:fld>
             <a:endParaRPr lang="ko-KR" altLang="en-US"/>
           </a:p>
@@ -2065,7 +2072,7 @@
           <a:p>
             <a:fld id="{85D4C85C-9E87-4DC7-91FE-CAD92C58BC47}" type="datetimeFigureOut">
               <a:rPr lang="ko-KR" altLang="en-US" smtClean="0"/>
-              <a:t>2020-07-14</a:t>
+              <a:t>2020-07-20</a:t>
             </a:fld>
             <a:endParaRPr lang="ko-KR" altLang="en-US"/>
           </a:p>
@@ -2376,7 +2383,7 @@
           <a:p>
             <a:fld id="{85D4C85C-9E87-4DC7-91FE-CAD92C58BC47}" type="datetimeFigureOut">
               <a:rPr lang="ko-KR" altLang="en-US" smtClean="0"/>
-              <a:t>2020-07-14</a:t>
+              <a:t>2020-07-20</a:t>
             </a:fld>
             <a:endParaRPr lang="ko-KR" altLang="en-US"/>
           </a:p>
@@ -2664,7 +2671,7 @@
           <a:p>
             <a:fld id="{85D4C85C-9E87-4DC7-91FE-CAD92C58BC47}" type="datetimeFigureOut">
               <a:rPr lang="ko-KR" altLang="en-US" smtClean="0"/>
-              <a:t>2020-07-14</a:t>
+              <a:t>2020-07-20</a:t>
             </a:fld>
             <a:endParaRPr lang="ko-KR" altLang="en-US"/>
           </a:p>
@@ -2905,7 +2912,7 @@
           <a:p>
             <a:fld id="{85D4C85C-9E87-4DC7-91FE-CAD92C58BC47}" type="datetimeFigureOut">
               <a:rPr lang="ko-KR" altLang="en-US" smtClean="0"/>
-              <a:t>2020-07-14</a:t>
+              <a:t>2020-07-20</a:t>
             </a:fld>
             <a:endParaRPr lang="ko-KR" altLang="en-US"/>
           </a:p>
@@ -3322,104 +3329,6 @@
           <a:chExt cx="0" cy="0"/>
         </a:xfrm>
       </p:grpSpPr>
-      <p:sp>
-        <p:nvSpPr>
-          <p:cNvPr id="4" name="TextBox 3">
-            <a:extLst>
-              <a:ext uri="{FF2B5EF4-FFF2-40B4-BE49-F238E27FC236}">
-                <a16:creationId xmlns:a16="http://schemas.microsoft.com/office/drawing/2014/main" id="{CFF2E09D-2783-4E9C-B206-1F505168802F}"/>
-              </a:ext>
-            </a:extLst>
-          </p:cNvPr>
-          <p:cNvSpPr txBox="1"/>
-          <p:nvPr/>
-        </p:nvSpPr>
-        <p:spPr>
-          <a:xfrm>
-            <a:off x="742207" y="1282535"/>
-            <a:ext cx="3227165" cy="1477328"/>
-          </a:xfrm>
-          <a:prstGeom prst="rect">
-            <a:avLst/>
-          </a:prstGeom>
-          <a:noFill/>
-        </p:spPr>
-        <p:txBody>
-          <a:bodyPr wrap="none" rtlCol="0">
-            <a:spAutoFit/>
-          </a:bodyPr>
-          <a:lstStyle/>
-          <a:p>
-            <a:r>
-              <a:rPr lang="ko-KR" altLang="en-US" dirty="0"/>
-              <a:t>캐시 조회 종류</a:t>
-            </a:r>
-            <a:r>
-              <a:rPr lang="en-US" altLang="ko-KR" dirty="0"/>
-              <a:t>: </a:t>
-            </a:r>
-          </a:p>
-          <a:p>
-            <a:r>
-              <a:rPr lang="en-US" altLang="ko-KR" dirty="0"/>
-              <a:t> - </a:t>
-            </a:r>
-            <a:r>
-              <a:rPr lang="ko-KR" altLang="en-US" dirty="0"/>
-              <a:t>캐시 단순 조회</a:t>
-            </a:r>
-            <a:endParaRPr lang="en-US" altLang="ko-KR" dirty="0"/>
-          </a:p>
-          <a:p>
-            <a:r>
-              <a:rPr lang="en-US" altLang="ko-KR" dirty="0"/>
-              <a:t> - </a:t>
-            </a:r>
-            <a:r>
-              <a:rPr lang="ko-KR" altLang="en-US" dirty="0"/>
-              <a:t>캐시 생성 대기후 조회</a:t>
-            </a:r>
-            <a:endParaRPr lang="en-US" altLang="ko-KR" dirty="0"/>
-          </a:p>
-          <a:p>
-            <a:r>
-              <a:rPr lang="en-US" altLang="ko-KR" dirty="0"/>
-              <a:t> - </a:t>
-            </a:r>
-            <a:r>
-              <a:rPr lang="ko-KR" altLang="en-US" dirty="0"/>
-              <a:t>캐시 신규생성 </a:t>
-            </a:r>
-            <a:r>
-              <a:rPr lang="ko-KR" altLang="en-US" dirty="0" err="1"/>
-              <a:t>요청후</a:t>
-            </a:r>
-            <a:r>
-              <a:rPr lang="ko-KR" altLang="en-US" dirty="0"/>
-              <a:t> 조회</a:t>
-            </a:r>
-            <a:endParaRPr lang="en-US" altLang="ko-KR" dirty="0"/>
-          </a:p>
-          <a:p>
-            <a:r>
-              <a:rPr lang="en-US" altLang="ko-KR" dirty="0"/>
-              <a:t> - </a:t>
-            </a:r>
-            <a:r>
-              <a:rPr lang="ko-KR" altLang="en-US" dirty="0"/>
-              <a:t>캐시 갱신 </a:t>
-            </a:r>
-            <a:r>
-              <a:rPr lang="ko-KR" altLang="en-US" dirty="0" err="1"/>
-              <a:t>요청후</a:t>
-            </a:r>
-            <a:r>
-              <a:rPr lang="ko-KR" altLang="en-US" dirty="0"/>
-              <a:t> 조회</a:t>
-            </a:r>
-          </a:p>
-        </p:txBody>
-      </p:sp>
     </p:spTree>
     <p:extLst>
       <p:ext uri="{BB962C8B-B14F-4D97-AF65-F5344CB8AC3E}">
@@ -3450,10 +3359,834 @@
           <a:chExt cx="0" cy="0"/>
         </a:xfrm>
       </p:grpSpPr>
+      <p:sp>
+        <p:nvSpPr>
+          <p:cNvPr id="2" name="TextBox 1">
+            <a:extLst>
+              <a:ext uri="{FF2B5EF4-FFF2-40B4-BE49-F238E27FC236}">
+                <a16:creationId xmlns:a16="http://schemas.microsoft.com/office/drawing/2014/main" id="{C2AB762D-1105-44DC-ABD1-CC6C6B128936}"/>
+              </a:ext>
+            </a:extLst>
+          </p:cNvPr>
+          <p:cNvSpPr txBox="1"/>
+          <p:nvPr/>
+        </p:nvSpPr>
+        <p:spPr>
+          <a:xfrm>
+            <a:off x="742207" y="1282535"/>
+            <a:ext cx="7562648" cy="3693319"/>
+          </a:xfrm>
+          <a:prstGeom prst="rect">
+            <a:avLst/>
+          </a:prstGeom>
+          <a:noFill/>
+        </p:spPr>
+        <p:txBody>
+          <a:bodyPr wrap="none" rtlCol="0">
+            <a:spAutoFit/>
+          </a:bodyPr>
+          <a:lstStyle/>
+          <a:p>
+            <a:r>
+              <a:rPr lang="ko-KR" altLang="en-US" dirty="0"/>
+              <a:t>캐시 상태와 대응</a:t>
+            </a:r>
+            <a:r>
+              <a:rPr lang="en-US" altLang="ko-KR" dirty="0"/>
+              <a:t>: </a:t>
+            </a:r>
+          </a:p>
+          <a:p>
+            <a:endParaRPr lang="en-US" altLang="ko-KR" dirty="0"/>
+          </a:p>
+          <a:p>
+            <a:r>
+              <a:rPr lang="ko-KR" altLang="en-US" dirty="0"/>
+              <a:t>기존</a:t>
+            </a:r>
+            <a:endParaRPr lang="en-US" altLang="ko-KR" dirty="0"/>
+          </a:p>
+          <a:p>
+            <a:r>
+              <a:rPr lang="en-US" altLang="ko-KR" dirty="0"/>
+              <a:t> - </a:t>
+            </a:r>
+            <a:r>
+              <a:rPr lang="ko-KR" altLang="en-US" dirty="0"/>
+              <a:t>캐시 없음 </a:t>
+            </a:r>
+            <a:r>
+              <a:rPr lang="en-US" altLang="ko-KR" dirty="0"/>
+              <a:t>: </a:t>
+            </a:r>
+            <a:r>
+              <a:rPr lang="ko-KR" altLang="en-US" dirty="0"/>
+              <a:t>캐시 생성 </a:t>
+            </a:r>
+            <a:r>
+              <a:rPr lang="en-US" altLang="ko-KR" dirty="0"/>
+              <a:t>&amp; </a:t>
+            </a:r>
+            <a:r>
+              <a:rPr lang="ko-KR" altLang="en-US" dirty="0"/>
+              <a:t>대기</a:t>
+            </a:r>
+            <a:endParaRPr lang="en-US" altLang="ko-KR" dirty="0"/>
+          </a:p>
+          <a:p>
+            <a:r>
+              <a:rPr lang="en-US" altLang="ko-KR" dirty="0"/>
+              <a:t> - </a:t>
+            </a:r>
+            <a:r>
+              <a:rPr lang="ko-KR" altLang="en-US" dirty="0"/>
+              <a:t>캐시 있음 </a:t>
+            </a:r>
+            <a:r>
+              <a:rPr lang="en-US" altLang="ko-KR" dirty="0"/>
+              <a:t>: </a:t>
+            </a:r>
+            <a:r>
+              <a:rPr lang="ko-KR" altLang="en-US" dirty="0"/>
+              <a:t>사용</a:t>
+            </a:r>
+            <a:endParaRPr lang="en-US" altLang="ko-KR" dirty="0"/>
+          </a:p>
+          <a:p>
+            <a:endParaRPr lang="en-US" altLang="ko-KR" dirty="0"/>
+          </a:p>
+          <a:p>
+            <a:r>
+              <a:rPr lang="en-US" altLang="ko-KR" dirty="0"/>
+              <a:t>Catcher</a:t>
+            </a:r>
+          </a:p>
+          <a:p>
+            <a:r>
+              <a:rPr lang="en-US" altLang="ko-KR" dirty="0"/>
+              <a:t> - </a:t>
+            </a:r>
+            <a:r>
+              <a:rPr lang="ko-KR" altLang="en-US" dirty="0"/>
+              <a:t>캐시 없음</a:t>
+            </a:r>
+            <a:r>
+              <a:rPr lang="en-US" altLang="ko-KR" dirty="0"/>
+              <a:t>, </a:t>
+            </a:r>
+            <a:r>
+              <a:rPr lang="en-US" altLang="ko-KR" dirty="0" err="1"/>
+              <a:t>aysncNew</a:t>
+            </a:r>
+            <a:r>
+              <a:rPr lang="en-US" altLang="ko-KR" dirty="0"/>
+              <a:t>(false) : </a:t>
+            </a:r>
+            <a:r>
+              <a:rPr lang="ko-KR" altLang="en-US" dirty="0"/>
+              <a:t>캐시 생성 </a:t>
+            </a:r>
+            <a:r>
+              <a:rPr lang="en-US" altLang="ko-KR" dirty="0"/>
+              <a:t>&amp; </a:t>
+            </a:r>
+            <a:r>
+              <a:rPr lang="ko-KR" altLang="en-US" dirty="0"/>
+              <a:t>대기</a:t>
+            </a:r>
+            <a:endParaRPr lang="en-US" altLang="ko-KR" dirty="0"/>
+          </a:p>
+          <a:p>
+            <a:r>
+              <a:rPr lang="en-US" altLang="ko-KR" dirty="0"/>
+              <a:t> - </a:t>
+            </a:r>
+            <a:r>
+              <a:rPr lang="ko-KR" altLang="en-US" dirty="0"/>
+              <a:t>캐시 없음</a:t>
+            </a:r>
+            <a:r>
+              <a:rPr lang="en-US" altLang="ko-KR" dirty="0"/>
+              <a:t>, </a:t>
+            </a:r>
+            <a:r>
+              <a:rPr lang="en-US" altLang="ko-KR" dirty="0" err="1"/>
+              <a:t>aysncNew</a:t>
+            </a:r>
+            <a:r>
+              <a:rPr lang="en-US" altLang="ko-KR" dirty="0"/>
+              <a:t>(true) : </a:t>
+            </a:r>
+            <a:r>
+              <a:rPr lang="ko-KR" altLang="en-US" dirty="0"/>
+              <a:t>사용</a:t>
+            </a:r>
+            <a:r>
+              <a:rPr lang="en-US" altLang="ko-KR" dirty="0"/>
+              <a:t>(null) &amp; </a:t>
+            </a:r>
+            <a:r>
+              <a:rPr lang="ko-KR" altLang="en-US" dirty="0"/>
+              <a:t>캐시 생성</a:t>
+            </a:r>
+            <a:r>
+              <a:rPr lang="en-US" altLang="ko-KR" dirty="0"/>
+              <a:t>(async)</a:t>
+            </a:r>
+          </a:p>
+          <a:p>
+            <a:r>
+              <a:rPr lang="en-US" altLang="ko-KR" dirty="0"/>
+              <a:t> - </a:t>
+            </a:r>
+            <a:r>
+              <a:rPr lang="ko-KR" altLang="en-US" dirty="0"/>
+              <a:t>캐시 있음</a:t>
+            </a:r>
+            <a:r>
+              <a:rPr lang="en-US" altLang="ko-KR" dirty="0"/>
+              <a:t>(</a:t>
+            </a:r>
+            <a:r>
+              <a:rPr lang="ko-KR" altLang="en-US" dirty="0"/>
+              <a:t>정상</a:t>
+            </a:r>
+            <a:r>
+              <a:rPr lang="en-US" altLang="ko-KR" dirty="0"/>
+              <a:t>)</a:t>
+            </a:r>
+            <a:r>
+              <a:rPr lang="ko-KR" altLang="en-US" dirty="0"/>
+              <a:t> </a:t>
+            </a:r>
+            <a:r>
+              <a:rPr lang="en-US" altLang="ko-KR" dirty="0"/>
+              <a:t>: </a:t>
+            </a:r>
+            <a:r>
+              <a:rPr lang="ko-KR" altLang="en-US" dirty="0"/>
+              <a:t>사용</a:t>
+            </a:r>
+            <a:endParaRPr lang="en-US" altLang="ko-KR" dirty="0"/>
+          </a:p>
+          <a:p>
+            <a:r>
+              <a:rPr lang="en-US" altLang="ko-KR" dirty="0"/>
+              <a:t> - </a:t>
+            </a:r>
+            <a:r>
+              <a:rPr lang="ko-KR" altLang="en-US" dirty="0"/>
+              <a:t>캐시 있음</a:t>
+            </a:r>
+            <a:r>
+              <a:rPr lang="en-US" altLang="ko-KR" dirty="0"/>
+              <a:t>(update</a:t>
+            </a:r>
+            <a:r>
+              <a:rPr lang="ko-KR" altLang="en-US" dirty="0"/>
+              <a:t>필요</a:t>
+            </a:r>
+            <a:r>
+              <a:rPr lang="en-US" altLang="ko-KR" dirty="0"/>
+              <a:t>), </a:t>
+            </a:r>
+            <a:r>
+              <a:rPr lang="en-US" altLang="ko-KR" dirty="0" err="1"/>
+              <a:t>asyncUpdate</a:t>
+            </a:r>
+            <a:r>
+              <a:rPr lang="en-US" altLang="ko-KR" dirty="0"/>
+              <a:t>(false)</a:t>
+            </a:r>
+            <a:r>
+              <a:rPr lang="ko-KR" altLang="en-US" dirty="0"/>
+              <a:t> </a:t>
+            </a:r>
+            <a:r>
+              <a:rPr lang="en-US" altLang="ko-KR" dirty="0"/>
+              <a:t>: </a:t>
+            </a:r>
+            <a:r>
+              <a:rPr lang="ko-KR" altLang="en-US" dirty="0"/>
+              <a:t>대기 </a:t>
+            </a:r>
+            <a:r>
+              <a:rPr lang="en-US" altLang="ko-KR" dirty="0"/>
+              <a:t>&amp; </a:t>
+            </a:r>
+            <a:r>
+              <a:rPr lang="ko-KR" altLang="en-US" dirty="0"/>
+              <a:t>사용</a:t>
+            </a:r>
+            <a:endParaRPr lang="en-US" altLang="ko-KR" dirty="0"/>
+          </a:p>
+          <a:p>
+            <a:r>
+              <a:rPr lang="en-US" altLang="ko-KR" dirty="0"/>
+              <a:t> - </a:t>
+            </a:r>
+            <a:r>
+              <a:rPr lang="ko-KR" altLang="en-US" dirty="0"/>
+              <a:t>캐시 있음</a:t>
+            </a:r>
+            <a:r>
+              <a:rPr lang="en-US" altLang="ko-KR" dirty="0"/>
+              <a:t>(update</a:t>
+            </a:r>
+            <a:r>
+              <a:rPr lang="ko-KR" altLang="en-US" dirty="0"/>
+              <a:t>필요</a:t>
+            </a:r>
+            <a:r>
+              <a:rPr lang="en-US" altLang="ko-KR" dirty="0"/>
+              <a:t>), </a:t>
+            </a:r>
+            <a:r>
+              <a:rPr lang="en-US" altLang="ko-KR" dirty="0" err="1"/>
+              <a:t>asyncUpdate</a:t>
+            </a:r>
+            <a:r>
+              <a:rPr lang="en-US" altLang="ko-KR" dirty="0"/>
+              <a:t>(true)</a:t>
+            </a:r>
+            <a:r>
+              <a:rPr lang="ko-KR" altLang="en-US" dirty="0"/>
+              <a:t> </a:t>
+            </a:r>
+            <a:r>
+              <a:rPr lang="en-US" altLang="ko-KR" dirty="0"/>
+              <a:t>: </a:t>
+            </a:r>
+            <a:r>
+              <a:rPr lang="ko-KR" altLang="en-US" dirty="0"/>
+              <a:t>사용 </a:t>
+            </a:r>
+            <a:r>
+              <a:rPr lang="en-US" altLang="ko-KR" dirty="0"/>
+              <a:t>&amp; </a:t>
+            </a:r>
+            <a:r>
+              <a:rPr lang="ko-KR" altLang="en-US" dirty="0"/>
+              <a:t>캐시 생성</a:t>
+            </a:r>
+            <a:r>
+              <a:rPr lang="en-US" altLang="ko-KR" dirty="0"/>
+              <a:t>(async)</a:t>
+            </a:r>
+          </a:p>
+          <a:p>
+            <a:endParaRPr lang="ko-KR" altLang="en-US" dirty="0"/>
+          </a:p>
+        </p:txBody>
+      </p:sp>
     </p:spTree>
     <p:extLst>
       <p:ext uri="{BB962C8B-B14F-4D97-AF65-F5344CB8AC3E}">
         <p14:creationId xmlns:p14="http://schemas.microsoft.com/office/powerpoint/2010/main" val="2017748742"/>
+      </p:ext>
+    </p:extLst>
+  </p:cSld>
+  <p:clrMapOvr>
+    <a:masterClrMapping/>
+  </p:clrMapOvr>
+</p:sld>
+</file>
+
+<file path=ppt/slides/slide3.xml><?xml version="1.0" encoding="utf-8"?>
+<p:sld xmlns:a="http://schemas.openxmlformats.org/drawingml/2006/main" xmlns:r="http://schemas.openxmlformats.org/officeDocument/2006/relationships" xmlns:p="http://schemas.openxmlformats.org/presentationml/2006/main">
+  <p:cSld>
+    <p:spTree>
+      <p:nvGrpSpPr>
+        <p:cNvPr id="1" name=""/>
+        <p:cNvGrpSpPr/>
+        <p:nvPr/>
+      </p:nvGrpSpPr>
+      <p:grpSpPr>
+        <a:xfrm>
+          <a:off x="0" y="0"/>
+          <a:ext cx="0" cy="0"/>
+          <a:chOff x="0" y="0"/>
+          <a:chExt cx="0" cy="0"/>
+        </a:xfrm>
+      </p:grpSpPr>
+      <p:sp>
+        <p:nvSpPr>
+          <p:cNvPr id="2" name="TextBox 1">
+            <a:extLst>
+              <a:ext uri="{FF2B5EF4-FFF2-40B4-BE49-F238E27FC236}">
+                <a16:creationId xmlns:a16="http://schemas.microsoft.com/office/drawing/2014/main" id="{C2AB762D-1105-44DC-ABD1-CC6C6B128936}"/>
+              </a:ext>
+            </a:extLst>
+          </p:cNvPr>
+          <p:cNvSpPr txBox="1"/>
+          <p:nvPr/>
+        </p:nvSpPr>
+        <p:spPr>
+          <a:xfrm>
+            <a:off x="742207" y="1282535"/>
+            <a:ext cx="8922635" cy="2862322"/>
+          </a:xfrm>
+          <a:prstGeom prst="rect">
+            <a:avLst/>
+          </a:prstGeom>
+          <a:noFill/>
+        </p:spPr>
+        <p:txBody>
+          <a:bodyPr wrap="none" rtlCol="0">
+            <a:spAutoFit/>
+          </a:bodyPr>
+          <a:lstStyle/>
+          <a:p>
+            <a:r>
+              <a:rPr lang="ko-KR" altLang="en-US" dirty="0"/>
+              <a:t>캐시 </a:t>
+            </a:r>
+            <a:r>
+              <a:rPr lang="ko-KR" altLang="en-US" dirty="0" err="1"/>
+              <a:t>생성중</a:t>
+            </a:r>
+            <a:r>
+              <a:rPr lang="ko-KR" altLang="en-US" dirty="0"/>
+              <a:t> 오류 발생시</a:t>
+            </a:r>
+            <a:r>
+              <a:rPr lang="en-US" altLang="ko-KR" dirty="0"/>
+              <a:t>: </a:t>
+            </a:r>
+          </a:p>
+          <a:p>
+            <a:endParaRPr lang="en-US" altLang="ko-KR" dirty="0"/>
+          </a:p>
+          <a:p>
+            <a:r>
+              <a:rPr lang="ko-KR" altLang="en-US" dirty="0"/>
+              <a:t>기존</a:t>
+            </a:r>
+            <a:endParaRPr lang="en-US" altLang="ko-KR" dirty="0"/>
+          </a:p>
+          <a:p>
+            <a:r>
+              <a:rPr lang="en-US" altLang="ko-KR" dirty="0"/>
+              <a:t> - </a:t>
+            </a:r>
+            <a:r>
+              <a:rPr lang="ko-KR" altLang="en-US" dirty="0"/>
+              <a:t>캐시 데이터에 </a:t>
+            </a:r>
+            <a:r>
+              <a:rPr lang="en-US" altLang="ko-KR" dirty="0"/>
+              <a:t>null</a:t>
+            </a:r>
+            <a:r>
+              <a:rPr lang="ko-KR" altLang="en-US" dirty="0"/>
+              <a:t>을 넣고 캐시 생성</a:t>
+            </a:r>
+            <a:r>
+              <a:rPr lang="en-US" altLang="ko-KR" dirty="0"/>
+              <a:t>(</a:t>
+            </a:r>
+            <a:r>
+              <a:rPr lang="ko-KR" altLang="en-US" dirty="0"/>
+              <a:t>갱신</a:t>
+            </a:r>
+            <a:r>
+              <a:rPr lang="en-US" altLang="ko-KR" dirty="0"/>
+              <a:t>)</a:t>
+            </a:r>
+          </a:p>
+          <a:p>
+            <a:r>
+              <a:rPr lang="en-US" altLang="ko-KR" dirty="0"/>
+              <a:t>   (</a:t>
+            </a:r>
+            <a:r>
+              <a:rPr lang="ko-KR" altLang="en-US" dirty="0"/>
+              <a:t>다른 요청에 의핸 반복적인 오류발생을 막으려면 </a:t>
+            </a:r>
+            <a:r>
+              <a:rPr lang="en-US" altLang="ko-KR" dirty="0"/>
+              <a:t>null </a:t>
+            </a:r>
+            <a:r>
+              <a:rPr lang="ko-KR" altLang="en-US" dirty="0"/>
+              <a:t>값을 넣고 갱신해줘야 한다</a:t>
+            </a:r>
+            <a:r>
+              <a:rPr lang="en-US" altLang="ko-KR" dirty="0"/>
+              <a:t>)</a:t>
+            </a:r>
+          </a:p>
+          <a:p>
+            <a:endParaRPr lang="en-US" altLang="ko-KR" dirty="0"/>
+          </a:p>
+          <a:p>
+            <a:r>
+              <a:rPr lang="en-US" altLang="ko-KR" dirty="0"/>
+              <a:t>Catcher</a:t>
+            </a:r>
+          </a:p>
+          <a:p>
+            <a:r>
+              <a:rPr lang="en-US" altLang="ko-KR" dirty="0"/>
+              <a:t> - NULL : null,</a:t>
+            </a:r>
+            <a:r>
+              <a:rPr lang="ko-KR" altLang="en-US" dirty="0"/>
+              <a:t> 캐시 생성</a:t>
+            </a:r>
+            <a:r>
+              <a:rPr lang="en-US" altLang="ko-KR" dirty="0"/>
+              <a:t>(</a:t>
+            </a:r>
+            <a:r>
+              <a:rPr lang="ko-KR" altLang="en-US" dirty="0"/>
+              <a:t>기존과 동일</a:t>
+            </a:r>
+            <a:r>
+              <a:rPr lang="en-US" altLang="ko-KR" dirty="0"/>
+              <a:t>)</a:t>
+            </a:r>
+          </a:p>
+          <a:p>
+            <a:r>
+              <a:rPr lang="en-US" altLang="ko-KR" dirty="0"/>
+              <a:t> - REUSE : </a:t>
+            </a:r>
+            <a:r>
+              <a:rPr lang="ko-KR" altLang="en-US" dirty="0"/>
+              <a:t>갱신 직전의 데이터를 그대로 유지하고 만료</a:t>
+            </a:r>
+            <a:r>
+              <a:rPr lang="en-US" altLang="ko-KR" dirty="0"/>
+              <a:t>, </a:t>
+            </a:r>
+            <a:r>
+              <a:rPr lang="ko-KR" altLang="en-US" dirty="0"/>
+              <a:t>업데이트 시간만 초기화</a:t>
+            </a:r>
+            <a:endParaRPr lang="en-US" altLang="ko-KR" dirty="0"/>
+          </a:p>
+          <a:p>
+            <a:r>
+              <a:rPr lang="en-US" altLang="ko-KR" dirty="0"/>
+              <a:t> - CUSTOM : </a:t>
+            </a:r>
+            <a:r>
+              <a:rPr lang="ko-KR" altLang="en-US" dirty="0"/>
+              <a:t>별도의 함수를 받아 콜백처리</a:t>
+            </a:r>
+          </a:p>
+        </p:txBody>
+      </p:sp>
+    </p:spTree>
+    <p:extLst>
+      <p:ext uri="{BB962C8B-B14F-4D97-AF65-F5344CB8AC3E}">
+        <p14:creationId xmlns:p14="http://schemas.microsoft.com/office/powerpoint/2010/main" val="1846977464"/>
+      </p:ext>
+    </p:extLst>
+  </p:cSld>
+  <p:clrMapOvr>
+    <a:masterClrMapping/>
+  </p:clrMapOvr>
+</p:sld>
+</file>
+
+<file path=ppt/slides/slide4.xml><?xml version="1.0" encoding="utf-8"?>
+<p:sld xmlns:a="http://schemas.openxmlformats.org/drawingml/2006/main" xmlns:r="http://schemas.openxmlformats.org/officeDocument/2006/relationships" xmlns:p="http://schemas.openxmlformats.org/presentationml/2006/main">
+  <p:cSld>
+    <p:spTree>
+      <p:nvGrpSpPr>
+        <p:cNvPr id="1" name=""/>
+        <p:cNvGrpSpPr/>
+        <p:nvPr/>
+      </p:nvGrpSpPr>
+      <p:grpSpPr>
+        <a:xfrm>
+          <a:off x="0" y="0"/>
+          <a:ext cx="0" cy="0"/>
+          <a:chOff x="0" y="0"/>
+          <a:chExt cx="0" cy="0"/>
+        </a:xfrm>
+      </p:grpSpPr>
+      <p:sp>
+        <p:nvSpPr>
+          <p:cNvPr id="2" name="TextBox 1">
+            <a:extLst>
+              <a:ext uri="{FF2B5EF4-FFF2-40B4-BE49-F238E27FC236}">
+                <a16:creationId xmlns:a16="http://schemas.microsoft.com/office/drawing/2014/main" id="{07CA70FA-F13D-42D6-927C-5DF170BDBA3C}"/>
+              </a:ext>
+            </a:extLst>
+          </p:cNvPr>
+          <p:cNvSpPr txBox="1"/>
+          <p:nvPr/>
+        </p:nvSpPr>
+        <p:spPr>
+          <a:xfrm>
+            <a:off x="742207" y="1282535"/>
+            <a:ext cx="6522235" cy="4801314"/>
+          </a:xfrm>
+          <a:prstGeom prst="rect">
+            <a:avLst/>
+          </a:prstGeom>
+          <a:noFill/>
+        </p:spPr>
+        <p:txBody>
+          <a:bodyPr wrap="none" rtlCol="0">
+            <a:spAutoFit/>
+          </a:bodyPr>
+          <a:lstStyle/>
+          <a:p>
+            <a:r>
+              <a:rPr lang="ko-KR" altLang="en-US" dirty="0"/>
+              <a:t>기존 캐시와 </a:t>
+            </a:r>
+            <a:r>
+              <a:rPr lang="en-US" altLang="ko-KR" dirty="0"/>
+              <a:t>Catcher</a:t>
+            </a:r>
+            <a:r>
+              <a:rPr lang="ko-KR" altLang="en-US" dirty="0"/>
+              <a:t>의 데이터 비교</a:t>
+            </a:r>
+            <a:r>
+              <a:rPr lang="en-US" altLang="ko-KR" dirty="0"/>
+              <a:t>: </a:t>
+            </a:r>
+          </a:p>
+          <a:p>
+            <a:endParaRPr lang="en-US" altLang="ko-KR" dirty="0"/>
+          </a:p>
+          <a:p>
+            <a:r>
+              <a:rPr lang="ko-KR" altLang="en-US" dirty="0"/>
+              <a:t>그림</a:t>
+            </a:r>
+            <a:endParaRPr lang="en-US" altLang="ko-KR" dirty="0"/>
+          </a:p>
+          <a:p>
+            <a:endParaRPr lang="en-US" altLang="ko-KR" dirty="0"/>
+          </a:p>
+          <a:p>
+            <a:r>
+              <a:rPr lang="ko-KR" altLang="en-US" dirty="0"/>
+              <a:t>기존</a:t>
+            </a:r>
+            <a:endParaRPr lang="en-US" altLang="ko-KR" dirty="0"/>
+          </a:p>
+          <a:p>
+            <a:r>
+              <a:rPr lang="en-US" altLang="ko-KR" dirty="0"/>
+              <a:t> - </a:t>
+            </a:r>
+            <a:r>
+              <a:rPr lang="ko-KR" altLang="en-US" dirty="0"/>
+              <a:t>기본 캐시 시스템 </a:t>
+            </a:r>
+            <a:r>
+              <a:rPr lang="en-US" altLang="ko-KR" dirty="0"/>
+              <a:t>&lt;- </a:t>
+            </a:r>
+            <a:r>
+              <a:rPr lang="ko-KR" altLang="en-US" dirty="0" err="1"/>
+              <a:t>캐시되는</a:t>
+            </a:r>
+            <a:r>
+              <a:rPr lang="ko-KR" altLang="en-US" dirty="0"/>
+              <a:t> 데이터</a:t>
+            </a:r>
+            <a:endParaRPr lang="en-US" altLang="ko-KR" dirty="0"/>
+          </a:p>
+          <a:p>
+            <a:endParaRPr lang="en-US" altLang="ko-KR" dirty="0"/>
+          </a:p>
+          <a:p>
+            <a:r>
+              <a:rPr lang="en-US" altLang="ko-KR" dirty="0"/>
+              <a:t>Catcher</a:t>
+            </a:r>
+          </a:p>
+          <a:p>
+            <a:r>
+              <a:rPr lang="en-US" altLang="ko-KR" dirty="0"/>
+              <a:t> - </a:t>
+            </a:r>
+            <a:r>
+              <a:rPr lang="ko-KR" altLang="en-US" dirty="0"/>
+              <a:t>기본 캐시 </a:t>
+            </a:r>
+            <a:r>
+              <a:rPr lang="ko-KR" altLang="en-US" dirty="0" err="1"/>
+              <a:t>스스템</a:t>
+            </a:r>
+            <a:r>
+              <a:rPr lang="ko-KR" altLang="en-US" dirty="0"/>
+              <a:t> </a:t>
+            </a:r>
+            <a:r>
+              <a:rPr lang="en-US" altLang="ko-KR" dirty="0"/>
+              <a:t>&lt;- </a:t>
+            </a:r>
+            <a:r>
+              <a:rPr lang="en-US" altLang="ko-KR" dirty="0" err="1"/>
+              <a:t>CacheData</a:t>
+            </a:r>
+            <a:r>
+              <a:rPr lang="en-US" altLang="ko-KR" dirty="0"/>
+              <a:t> + </a:t>
+            </a:r>
+            <a:r>
+              <a:rPr lang="ko-KR" altLang="en-US" dirty="0" err="1"/>
+              <a:t>캐시되는</a:t>
+            </a:r>
+            <a:r>
+              <a:rPr lang="ko-KR" altLang="en-US" dirty="0"/>
+              <a:t> 데이터</a:t>
+            </a:r>
+            <a:endParaRPr lang="en-US" altLang="ko-KR" dirty="0"/>
+          </a:p>
+          <a:p>
+            <a:endParaRPr lang="en-US" altLang="ko-KR" dirty="0"/>
+          </a:p>
+          <a:p>
+            <a:endParaRPr lang="en-US" altLang="ko-KR" dirty="0"/>
+          </a:p>
+          <a:p>
+            <a:r>
+              <a:rPr lang="en-US" altLang="ko-KR" dirty="0" err="1"/>
+              <a:t>CacheData</a:t>
+            </a:r>
+            <a:r>
+              <a:rPr lang="en-US" altLang="ko-KR" dirty="0"/>
+              <a:t>{</a:t>
+            </a:r>
+          </a:p>
+          <a:p>
+            <a:r>
+              <a:rPr lang="en-US" altLang="ko-KR" dirty="0"/>
+              <a:t>  - </a:t>
+            </a:r>
+            <a:r>
+              <a:rPr lang="en-US" altLang="ko-KR" dirty="0" err="1"/>
+              <a:t>create_dt</a:t>
+            </a:r>
+            <a:r>
+              <a:rPr lang="en-US" altLang="ko-KR" dirty="0"/>
+              <a:t> : </a:t>
+            </a:r>
+            <a:r>
+              <a:rPr lang="ko-KR" altLang="en-US" dirty="0"/>
+              <a:t>캐시 생성 시간</a:t>
+            </a:r>
+            <a:endParaRPr lang="en-US" altLang="ko-KR" dirty="0"/>
+          </a:p>
+          <a:p>
+            <a:r>
+              <a:rPr lang="en-US" altLang="ko-KR" dirty="0"/>
+              <a:t>  - </a:t>
+            </a:r>
+            <a:r>
+              <a:rPr lang="en-US" altLang="ko-KR" dirty="0" err="1"/>
+              <a:t>update_ms</a:t>
+            </a:r>
+            <a:r>
+              <a:rPr lang="en-US" altLang="ko-KR" dirty="0"/>
+              <a:t> : </a:t>
+            </a:r>
+            <a:r>
+              <a:rPr lang="en-US" altLang="ko-KR" dirty="0" err="1"/>
+              <a:t>create_dt</a:t>
+            </a:r>
+            <a:r>
+              <a:rPr lang="en-US" altLang="ko-KR" dirty="0"/>
+              <a:t> </a:t>
+            </a:r>
+            <a:r>
+              <a:rPr lang="ko-KR" altLang="en-US" dirty="0"/>
+              <a:t>이후</a:t>
+            </a:r>
+            <a:r>
+              <a:rPr lang="en-US" altLang="ko-KR" dirty="0"/>
+              <a:t> </a:t>
+            </a:r>
+            <a:r>
+              <a:rPr lang="ko-KR" altLang="en-US" dirty="0"/>
+              <a:t>캐시가 갱신되는 시간</a:t>
+            </a:r>
+            <a:r>
+              <a:rPr lang="en-US" altLang="ko-KR" dirty="0"/>
+              <a:t>(</a:t>
+            </a:r>
+            <a:r>
+              <a:rPr lang="ko-KR" altLang="en-US" dirty="0" err="1"/>
+              <a:t>밀리초</a:t>
+            </a:r>
+            <a:r>
+              <a:rPr lang="en-US" altLang="ko-KR" dirty="0"/>
+              <a:t>)</a:t>
+            </a:r>
+          </a:p>
+          <a:p>
+            <a:r>
+              <a:rPr lang="en-US" altLang="ko-KR" dirty="0"/>
+              <a:t>  - </a:t>
+            </a:r>
+            <a:r>
+              <a:rPr lang="en-US" altLang="ko-KR" dirty="0" err="1"/>
+              <a:t>expire_ms</a:t>
+            </a:r>
+            <a:r>
+              <a:rPr lang="en-US" altLang="ko-KR" dirty="0"/>
+              <a:t> : </a:t>
+            </a:r>
+            <a:r>
+              <a:rPr lang="en-US" altLang="ko-KR" dirty="0" err="1"/>
+              <a:t>create_dt</a:t>
+            </a:r>
+            <a:r>
+              <a:rPr lang="en-US" altLang="ko-KR" dirty="0"/>
+              <a:t> </a:t>
+            </a:r>
+            <a:r>
+              <a:rPr lang="ko-KR" altLang="en-US" dirty="0"/>
+              <a:t>이후 캐시가 만료되는 시간</a:t>
+            </a:r>
+            <a:r>
+              <a:rPr lang="en-US" altLang="ko-KR" dirty="0"/>
+              <a:t>(</a:t>
+            </a:r>
+            <a:r>
+              <a:rPr lang="ko-KR" altLang="en-US" dirty="0" err="1"/>
+              <a:t>밀리초</a:t>
+            </a:r>
+            <a:r>
+              <a:rPr lang="en-US" altLang="ko-KR" dirty="0"/>
+              <a:t>)</a:t>
+            </a:r>
+          </a:p>
+          <a:p>
+            <a:r>
+              <a:rPr lang="en-US" altLang="ko-KR" dirty="0"/>
+              <a:t>  - status : </a:t>
+            </a:r>
+            <a:r>
+              <a:rPr lang="ko-KR" altLang="en-US" dirty="0"/>
+              <a:t>상태</a:t>
+            </a:r>
+            <a:endParaRPr lang="en-US" altLang="ko-KR" dirty="0"/>
+          </a:p>
+          <a:p>
+            <a:r>
+              <a:rPr lang="en-US" altLang="ko-KR" dirty="0"/>
+              <a:t>}</a:t>
+            </a:r>
+            <a:endParaRPr lang="ko-KR" altLang="en-US" dirty="0"/>
+          </a:p>
+        </p:txBody>
+      </p:sp>
+    </p:spTree>
+    <p:extLst>
+      <p:ext uri="{BB962C8B-B14F-4D97-AF65-F5344CB8AC3E}">
+        <p14:creationId xmlns:p14="http://schemas.microsoft.com/office/powerpoint/2010/main" val="2390668807"/>
       </p:ext>
     </p:extLst>
   </p:cSld>
